--- a/PPT/03- Angular Service.pptx
+++ b/PPT/03- Angular Service.pptx
@@ -2910,7 +2910,7 @@
           <a:p>
             <a:fld id="{9C322094-E358-534C-BE80-A03A09CAF25D}" type="datetime1">
               <a:rPr lang="en-US" smtClean="0"/>
-              <a:t>2/25/19</a:t>
+              <a:t>5/13/19</a:t>
             </a:fld>
             <a:endParaRPr lang="en-US"/>
           </a:p>
@@ -3064,7 +3064,7 @@
           <a:p>
             <a:fld id="{9966B5DA-DEE5-8644-9F0E-DBCE6D1C3A42}" type="datetime1">
               <a:rPr lang="en-US" smtClean="0"/>
-              <a:t>2/25/19</a:t>
+              <a:t>5/13/19</a:t>
             </a:fld>
             <a:endParaRPr lang="en-US"/>
           </a:p>
@@ -3255,7 +3255,7 @@
           <a:p>
             <a:fld id="{41F97762-3263-DF49-80A6-CD151E4C6914}" type="datetime1">
               <a:rPr lang="en-US" smtClean="0"/>
-              <a:t>2/25/19</a:t>
+              <a:t>5/13/19</a:t>
             </a:fld>
             <a:endParaRPr lang="en-US"/>
           </a:p>
@@ -3380,7 +3380,7 @@
           <a:p>
             <a:fld id="{526BEC33-56F8-0444-9BA6-E82DAC05C6FD}" type="datetime1">
               <a:rPr lang="en-US" smtClean="0"/>
-              <a:t>2/25/19</a:t>
+              <a:t>5/13/19</a:t>
             </a:fld>
             <a:endParaRPr lang="en-US"/>
           </a:p>
@@ -3476,7 +3476,7 @@
           <a:p>
             <a:fld id="{B78498E7-83D0-C34B-8AF7-9656E256FA44}" type="datetime1">
               <a:rPr lang="en-US" smtClean="0"/>
-              <a:t>2/25/19</a:t>
+              <a:t>5/13/19</a:t>
             </a:fld>
             <a:endParaRPr lang="en-US"/>
           </a:p>
@@ -3594,7 +3594,7 @@
           <a:p>
             <a:fld id="{9379F80A-5E69-4003-A4CA-EECDF3CD699D}" type="datetimeFigureOut">
               <a:rPr lang="nl-NL" smtClean="0"/>
-              <a:t>25-02-19</a:t>
+              <a:t>13-05-19</a:t>
             </a:fld>
             <a:endParaRPr lang="nl-NL"/>
           </a:p>
@@ -3842,7 +3842,7 @@
           <a:p>
             <a:fld id="{ECAC77C6-CD6A-8242-9423-990DEB973133}" type="datetime1">
               <a:rPr lang="en-US" smtClean="0"/>
-              <a:t>2/25/19</a:t>
+              <a:t>5/13/19</a:t>
             </a:fld>
             <a:endParaRPr lang="en-US"/>
           </a:p>
@@ -43478,7 +43478,7 @@
         <p:spPr>
           <a:xfrm>
             <a:off x="1266584" y="1680092"/>
-            <a:ext cx="6792595" cy="2952090"/>
+            <a:ext cx="6792595" cy="805349"/>
           </a:xfrm>
           <a:prstGeom prst="rect">
             <a:avLst/>
@@ -43489,286 +43489,6 @@
             <a:spAutoFit/>
           </a:bodyPr>
           <a:lstStyle/>
-          <a:p>
-            <a:pPr marL="353695" indent="-340995">
-              <a:lnSpc>
-                <a:spcPct val="100000"/>
-              </a:lnSpc>
-              <a:buFont typeface="Verdana"/>
-              <a:buChar char="•"/>
-              <a:tabLst>
-                <a:tab pos="354330" algn="l"/>
-              </a:tabLst>
-            </a:pPr>
-            <a:r>
-              <a:rPr sz="1950" spc="-15" dirty="0">
-                <a:latin typeface="Verdana"/>
-                <a:cs typeface="Verdana"/>
-              </a:rPr>
-              <a:t>El</a:t>
-            </a:r>
-            <a:r>
-              <a:rPr sz="1950" spc="-35" dirty="0">
-                <a:latin typeface="Verdana"/>
-                <a:cs typeface="Verdana"/>
-              </a:rPr>
-              <a:t>k</a:t>
-            </a:r>
-            <a:r>
-              <a:rPr sz="1950" spc="-15" dirty="0">
-                <a:latin typeface="Verdana"/>
-                <a:cs typeface="Verdana"/>
-              </a:rPr>
-              <a:t>e</a:t>
-            </a:r>
-            <a:r>
-              <a:rPr sz="1950" spc="204" dirty="0">
-                <a:latin typeface="Times New Roman"/>
-                <a:cs typeface="Times New Roman"/>
-              </a:rPr>
-              <a:t> </a:t>
-            </a:r>
-            <a:r>
-              <a:rPr sz="1950" spc="-15" dirty="0">
-                <a:latin typeface="Verdana"/>
-                <a:cs typeface="Verdana"/>
-              </a:rPr>
-              <a:t>service</a:t>
-            </a:r>
-            <a:r>
-              <a:rPr sz="1950" spc="204" dirty="0">
-                <a:latin typeface="Times New Roman"/>
-                <a:cs typeface="Times New Roman"/>
-              </a:rPr>
-              <a:t> </a:t>
-            </a:r>
-            <a:r>
-              <a:rPr sz="1950" spc="-15" dirty="0">
-                <a:latin typeface="Verdana"/>
-                <a:cs typeface="Verdana"/>
-              </a:rPr>
-              <a:t>in</a:t>
-            </a:r>
-            <a:r>
-              <a:rPr sz="1950" spc="204" dirty="0">
-                <a:latin typeface="Times New Roman"/>
-                <a:cs typeface="Times New Roman"/>
-              </a:rPr>
-              <a:t> </a:t>
-            </a:r>
-            <a:r>
-              <a:rPr sz="1950" spc="-20" dirty="0">
-                <a:latin typeface="Verdana"/>
-                <a:cs typeface="Verdana"/>
-              </a:rPr>
-              <a:t>Angula</a:t>
-            </a:r>
-            <a:r>
-              <a:rPr sz="1950" spc="-10" dirty="0">
-                <a:latin typeface="Verdana"/>
-                <a:cs typeface="Verdana"/>
-              </a:rPr>
-              <a:t>r</a:t>
-            </a:r>
-            <a:r>
-              <a:rPr sz="1950" spc="185" dirty="0">
-                <a:latin typeface="Times New Roman"/>
-                <a:cs typeface="Times New Roman"/>
-              </a:rPr>
-              <a:t> </a:t>
-            </a:r>
-            <a:r>
-              <a:rPr sz="1950" spc="204" dirty="0">
-                <a:latin typeface="Times New Roman"/>
-                <a:cs typeface="Times New Roman"/>
-              </a:rPr>
-              <a:t> </a:t>
-            </a:r>
-            <a:r>
-              <a:rPr sz="1950" spc="-15" dirty="0">
-                <a:latin typeface="Verdana"/>
-                <a:cs typeface="Verdana"/>
-              </a:rPr>
-              <a:t>is</a:t>
-            </a:r>
-            <a:r>
-              <a:rPr sz="1950" spc="204" dirty="0">
-                <a:latin typeface="Times New Roman"/>
-                <a:cs typeface="Times New Roman"/>
-              </a:rPr>
-              <a:t> </a:t>
-            </a:r>
-            <a:r>
-              <a:rPr sz="1950" spc="-15" dirty="0">
-                <a:latin typeface="Verdana"/>
-                <a:cs typeface="Verdana"/>
-              </a:rPr>
-              <a:t>een</a:t>
-            </a:r>
-            <a:r>
-              <a:rPr sz="1950" spc="195" dirty="0">
-                <a:latin typeface="Times New Roman"/>
-                <a:cs typeface="Times New Roman"/>
-              </a:rPr>
-              <a:t> </a:t>
-            </a:r>
-            <a:r>
-              <a:rPr sz="2600" spc="-25" dirty="0">
-                <a:latin typeface="Courier New"/>
-                <a:cs typeface="Courier New"/>
-              </a:rPr>
-              <a:t>class</a:t>
-            </a:r>
-            <a:endParaRPr sz="2600" dirty="0">
-              <a:latin typeface="Courier New"/>
-              <a:cs typeface="Courier New"/>
-            </a:endParaRPr>
-          </a:p>
-          <a:p>
-            <a:pPr marL="353695" indent="-340995">
-              <a:lnSpc>
-                <a:spcPct val="100000"/>
-              </a:lnSpc>
-              <a:spcBef>
-                <a:spcPts val="1830"/>
-              </a:spcBef>
-              <a:buFont typeface="Verdana"/>
-              <a:buChar char="•"/>
-              <a:tabLst>
-                <a:tab pos="354330" algn="l"/>
-              </a:tabLst>
-            </a:pPr>
-            <a:r>
-              <a:rPr sz="1950" spc="-20" dirty="0">
-                <a:latin typeface="Verdana"/>
-                <a:cs typeface="Verdana"/>
-              </a:rPr>
-              <a:t>Clas</a:t>
-            </a:r>
-            <a:r>
-              <a:rPr sz="1950" spc="-15" dirty="0">
-                <a:latin typeface="Verdana"/>
-                <a:cs typeface="Verdana"/>
-              </a:rPr>
-              <a:t>s</a:t>
-            </a:r>
-            <a:r>
-              <a:rPr sz="1950" spc="204" dirty="0">
-                <a:latin typeface="Times New Roman"/>
-                <a:cs typeface="Times New Roman"/>
-              </a:rPr>
-              <a:t> </a:t>
-            </a:r>
-            <a:r>
-              <a:rPr sz="1950" spc="-15" dirty="0">
-                <a:latin typeface="Verdana"/>
-                <a:cs typeface="Verdana"/>
-              </a:rPr>
-              <a:t>injecteren</a:t>
-            </a:r>
-            <a:r>
-              <a:rPr sz="1950" spc="215" dirty="0">
-                <a:latin typeface="Times New Roman"/>
-                <a:cs typeface="Times New Roman"/>
-              </a:rPr>
-              <a:t> </a:t>
-            </a:r>
-            <a:r>
-              <a:rPr sz="1950" spc="-15" dirty="0">
-                <a:latin typeface="Verdana"/>
-                <a:cs typeface="Verdana"/>
-              </a:rPr>
-              <a:t>in</a:t>
-            </a:r>
-            <a:r>
-              <a:rPr sz="1950" spc="215" dirty="0">
-                <a:latin typeface="Times New Roman"/>
-                <a:cs typeface="Times New Roman"/>
-              </a:rPr>
-              <a:t> </a:t>
-            </a:r>
-            <a:r>
-              <a:rPr sz="1950" spc="-20" dirty="0">
-                <a:latin typeface="Verdana"/>
-                <a:cs typeface="Verdana"/>
-              </a:rPr>
-              <a:t>d</a:t>
-            </a:r>
-            <a:r>
-              <a:rPr sz="1950" spc="-15" dirty="0">
-                <a:latin typeface="Verdana"/>
-                <a:cs typeface="Verdana"/>
-              </a:rPr>
-              <a:t>e</a:t>
-            </a:r>
-            <a:r>
-              <a:rPr sz="1950" spc="200" dirty="0">
-                <a:latin typeface="Times New Roman"/>
-                <a:cs typeface="Times New Roman"/>
-              </a:rPr>
-              <a:t> </a:t>
-            </a:r>
-            <a:r>
-              <a:rPr sz="1950" spc="-20" dirty="0">
-                <a:latin typeface="Verdana"/>
-                <a:cs typeface="Verdana"/>
-              </a:rPr>
-              <a:t>componen</a:t>
-            </a:r>
-            <a:r>
-              <a:rPr sz="1950" spc="-10" dirty="0">
-                <a:latin typeface="Verdana"/>
-                <a:cs typeface="Verdana"/>
-              </a:rPr>
-              <a:t>t</a:t>
-            </a:r>
-            <a:r>
-              <a:rPr sz="1950" spc="185" dirty="0">
-                <a:latin typeface="Times New Roman"/>
-                <a:cs typeface="Times New Roman"/>
-              </a:rPr>
-              <a:t> </a:t>
-            </a:r>
-            <a:r>
-              <a:rPr sz="1950" spc="-15" dirty="0">
-                <a:latin typeface="Verdana"/>
-                <a:cs typeface="Verdana"/>
-              </a:rPr>
-              <a:t>die</a:t>
-            </a:r>
-            <a:r>
-              <a:rPr sz="1950" spc="220" dirty="0">
-                <a:latin typeface="Times New Roman"/>
-                <a:cs typeface="Times New Roman"/>
-              </a:rPr>
-              <a:t> </a:t>
-            </a:r>
-            <a:r>
-              <a:rPr sz="1950" spc="-15" dirty="0">
-                <a:latin typeface="Verdana"/>
-                <a:cs typeface="Verdana"/>
-              </a:rPr>
-              <a:t>hem</a:t>
-            </a:r>
-            <a:r>
-              <a:rPr sz="1950" spc="200" dirty="0">
-                <a:latin typeface="Times New Roman"/>
-                <a:cs typeface="Times New Roman"/>
-              </a:rPr>
-              <a:t> </a:t>
-            </a:r>
-            <a:r>
-              <a:rPr sz="1950" spc="-20" dirty="0">
-                <a:latin typeface="Verdana"/>
-                <a:cs typeface="Verdana"/>
-              </a:rPr>
-              <a:t>gebruikt</a:t>
-            </a:r>
-            <a:endParaRPr sz="1950" dirty="0">
-              <a:latin typeface="Verdana"/>
-              <a:cs typeface="Verdana"/>
-            </a:endParaRPr>
-          </a:p>
           <a:p>
             <a:pPr marL="353695" indent="-340995">
               <a:lnSpc>
@@ -43784,206 +43504,28 @@
               </a:tabLst>
             </a:pPr>
             <a:r>
-              <a:rPr sz="1950" spc="-10" dirty="0">
-                <a:latin typeface="Verdana"/>
-                <a:cs typeface="Verdana"/>
-              </a:rPr>
-              <a:t>Instantiëren</a:t>
-            </a:r>
-            <a:r>
-              <a:rPr sz="1950" spc="190" dirty="0">
-                <a:latin typeface="Times New Roman"/>
-                <a:cs typeface="Times New Roman"/>
-              </a:rPr>
-              <a:t> </a:t>
-            </a:r>
-            <a:r>
-              <a:rPr sz="1950" spc="-15" dirty="0">
-                <a:latin typeface="Verdana"/>
-                <a:cs typeface="Verdana"/>
-              </a:rPr>
-              <a:t>in</a:t>
-            </a:r>
-            <a:r>
-              <a:rPr sz="1950" spc="204" dirty="0">
-                <a:latin typeface="Times New Roman"/>
-                <a:cs typeface="Times New Roman"/>
-              </a:rPr>
-              <a:t> </a:t>
-            </a:r>
-            <a:r>
-              <a:rPr sz="1950" spc="-15" dirty="0">
-                <a:latin typeface="Verdana"/>
-                <a:cs typeface="Verdana"/>
-              </a:rPr>
-              <a:t>constructor()</a:t>
-            </a:r>
-            <a:endParaRPr sz="1950" dirty="0">
-              <a:latin typeface="Verdana"/>
-              <a:cs typeface="Verdana"/>
-            </a:endParaRPr>
-          </a:p>
-          <a:p>
-            <a:pPr marL="353695" indent="-340995">
-              <a:lnSpc>
-                <a:spcPct val="100000"/>
-              </a:lnSpc>
-              <a:spcBef>
-                <a:spcPts val="1625"/>
-              </a:spcBef>
-              <a:buFont typeface="Verdana"/>
-              <a:buChar char="•"/>
-              <a:tabLst>
-                <a:tab pos="354330" algn="l"/>
-              </a:tabLst>
-            </a:pPr>
-            <a:r>
-              <a:rPr sz="1950" spc="-20" dirty="0">
-                <a:latin typeface="Verdana"/>
-                <a:cs typeface="Verdana"/>
-              </a:rPr>
-              <a:t>A</a:t>
-            </a:r>
-            <a:r>
-              <a:rPr sz="1950" spc="-15" dirty="0">
-                <a:latin typeface="Verdana"/>
-                <a:cs typeface="Verdana"/>
-              </a:rPr>
-              <a:t>anbe</a:t>
-            </a:r>
-            <a:r>
-              <a:rPr sz="1950" spc="-35" dirty="0">
-                <a:latin typeface="Verdana"/>
-                <a:cs typeface="Verdana"/>
-              </a:rPr>
-              <a:t>v</a:t>
-            </a:r>
-            <a:r>
-              <a:rPr sz="1950" spc="-20" dirty="0">
-                <a:latin typeface="Verdana"/>
-                <a:cs typeface="Verdana"/>
-              </a:rPr>
-              <a:t>olen</a:t>
-            </a:r>
-            <a:r>
-              <a:rPr sz="1950" spc="-10" dirty="0">
-                <a:latin typeface="Verdana"/>
-                <a:cs typeface="Verdana"/>
-              </a:rPr>
-              <a:t>:</a:t>
-            </a:r>
-            <a:r>
-              <a:rPr sz="1950" spc="185" dirty="0">
-                <a:latin typeface="Times New Roman"/>
-                <a:cs typeface="Times New Roman"/>
-              </a:rPr>
-              <a:t> </a:t>
-            </a:r>
-            <a:r>
-              <a:rPr sz="1950" spc="-15" dirty="0">
-                <a:latin typeface="Verdana"/>
-                <a:cs typeface="Verdana"/>
-              </a:rPr>
-              <a:t>leren</a:t>
-            </a:r>
-            <a:r>
-              <a:rPr sz="1950" spc="215" dirty="0">
-                <a:latin typeface="Times New Roman"/>
-                <a:cs typeface="Times New Roman"/>
-              </a:rPr>
-              <a:t> </a:t>
-            </a:r>
-            <a:r>
-              <a:rPr sz="1950" spc="-20" dirty="0">
-                <a:latin typeface="Verdana"/>
-                <a:cs typeface="Verdana"/>
-              </a:rPr>
-              <a:t>wer</a:t>
-            </a:r>
-            <a:r>
-              <a:rPr sz="1950" spc="-30" dirty="0">
+              <a:rPr sz="1950" spc="-120">
+                <a:latin typeface="Verdana"/>
+                <a:cs typeface="Verdana"/>
+              </a:rPr>
+              <a:t>W</a:t>
+            </a:r>
+            <a:r>
+              <a:rPr sz="1950" spc="-10">
+                <a:latin typeface="Verdana"/>
+                <a:cs typeface="Verdana"/>
+              </a:rPr>
+              <a:t>er</a:t>
+            </a:r>
+            <a:r>
+              <a:rPr sz="1950" spc="-35">
                 <a:latin typeface="Verdana"/>
                 <a:cs typeface="Verdana"/>
               </a:rPr>
               <a:t>k</a:t>
             </a:r>
             <a:r>
-              <a:rPr sz="1950" spc="-15" dirty="0">
-                <a:latin typeface="Verdana"/>
-                <a:cs typeface="Verdana"/>
-              </a:rPr>
-              <a:t>en</a:t>
-            </a:r>
-            <a:r>
-              <a:rPr sz="1950" spc="195" dirty="0">
-                <a:latin typeface="Times New Roman"/>
-                <a:cs typeface="Times New Roman"/>
-              </a:rPr>
-              <a:t> </a:t>
-            </a:r>
-            <a:r>
-              <a:rPr sz="1950" spc="-15" dirty="0">
-                <a:latin typeface="Verdana"/>
-                <a:cs typeface="Verdana"/>
-              </a:rPr>
-              <a:t>met</a:t>
-            </a:r>
-            <a:r>
-              <a:rPr sz="1950" spc="195" dirty="0">
-                <a:latin typeface="Times New Roman"/>
-                <a:cs typeface="Times New Roman"/>
-              </a:rPr>
-              <a:t> </a:t>
-            </a:r>
-            <a:r>
-              <a:rPr sz="1950" spc="-20" dirty="0">
-                <a:latin typeface="Courier New"/>
-                <a:cs typeface="Courier New"/>
-              </a:rPr>
-              <a:t>RxJs</a:t>
-            </a:r>
-            <a:endParaRPr sz="1950" dirty="0">
-              <a:latin typeface="Courier New"/>
-              <a:cs typeface="Courier New"/>
-            </a:endParaRPr>
-          </a:p>
-          <a:p>
-            <a:pPr marL="353695" indent="-340995">
-              <a:lnSpc>
-                <a:spcPct val="100000"/>
-              </a:lnSpc>
-              <a:spcBef>
-                <a:spcPts val="1620"/>
-              </a:spcBef>
-              <a:buFont typeface="Verdana"/>
-              <a:buChar char="•"/>
-              <a:tabLst>
-                <a:tab pos="354330" algn="l"/>
-              </a:tabLst>
-            </a:pPr>
-            <a:r>
-              <a:rPr sz="1950" spc="-120" dirty="0">
-                <a:latin typeface="Verdana"/>
-                <a:cs typeface="Verdana"/>
-              </a:rPr>
-              <a:t>W</a:t>
-            </a:r>
-            <a:r>
-              <a:rPr sz="1950" spc="-10" dirty="0">
-                <a:latin typeface="Verdana"/>
-                <a:cs typeface="Verdana"/>
-              </a:rPr>
-              <a:t>er</a:t>
-            </a:r>
-            <a:r>
-              <a:rPr sz="1950" spc="-35" dirty="0">
-                <a:latin typeface="Verdana"/>
-                <a:cs typeface="Verdana"/>
-              </a:rPr>
-              <a:t>k</a:t>
-            </a:r>
-            <a:r>
-              <a:rPr sz="1950" spc="-15" dirty="0">
+              <a:rPr sz="1950" spc="-15">
                 <a:latin typeface="Verdana"/>
                 <a:cs typeface="Verdana"/>
               </a:rPr>
